--- a/天使報信.pptx
+++ b/天使報信.pptx
@@ -115,6 +115,22 @@
       </a:defRPr>
     </a:lvl9pPr>
   </p:defaultTextStyle>
+  <p:extLst>
+    <p:ext uri="{EFAFB233-063F-42B5-8137-9DF3F51BA10A}">
+      <p15:sldGuideLst xmlns:p15="http://schemas.microsoft.com/office/powerpoint/2012/main">
+        <p15:guide id="1" orient="horz" pos="2160">
+          <p15:clr>
+            <a:srgbClr val="A4A3A4"/>
+          </p15:clr>
+        </p15:guide>
+        <p15:guide id="2" pos="2880">
+          <p15:clr>
+            <a:srgbClr val="A4A3A4"/>
+          </p15:clr>
+        </p15:guide>
+      </p15:sldGuideLst>
+    </p:ext>
+  </p:extLst>
 </p:presentation>
 </file>
 
@@ -300,7 +316,7 @@
             <a:fld id="{2F879F52-6B60-4C01-BE62-F22035A9CFE0}" type="datetimeFigureOut">
               <a:rPr lang="en-US" smtClean="0"/>
               <a:pPr/>
-              <a:t>12/18/2017</a:t>
+              <a:t>12/19/2021</a:t>
             </a:fld>
             <a:endParaRPr lang="en-US"/>
           </a:p>
@@ -467,7 +483,7 @@
             <a:fld id="{2F879F52-6B60-4C01-BE62-F22035A9CFE0}" type="datetimeFigureOut">
               <a:rPr lang="en-US" smtClean="0"/>
               <a:pPr/>
-              <a:t>12/18/2017</a:t>
+              <a:t>12/19/2021</a:t>
             </a:fld>
             <a:endParaRPr lang="en-US"/>
           </a:p>
@@ -644,7 +660,7 @@
             <a:fld id="{2F879F52-6B60-4C01-BE62-F22035A9CFE0}" type="datetimeFigureOut">
               <a:rPr lang="en-US" smtClean="0"/>
               <a:pPr/>
-              <a:t>12/18/2017</a:t>
+              <a:t>12/19/2021</a:t>
             </a:fld>
             <a:endParaRPr lang="en-US"/>
           </a:p>
@@ -811,7 +827,7 @@
             <a:fld id="{2F879F52-6B60-4C01-BE62-F22035A9CFE0}" type="datetimeFigureOut">
               <a:rPr lang="en-US" smtClean="0"/>
               <a:pPr/>
-              <a:t>12/18/2017</a:t>
+              <a:t>12/19/2021</a:t>
             </a:fld>
             <a:endParaRPr lang="en-US"/>
           </a:p>
@@ -1054,7 +1070,7 @@
             <a:fld id="{2F879F52-6B60-4C01-BE62-F22035A9CFE0}" type="datetimeFigureOut">
               <a:rPr lang="en-US" smtClean="0"/>
               <a:pPr/>
-              <a:t>12/18/2017</a:t>
+              <a:t>12/19/2021</a:t>
             </a:fld>
             <a:endParaRPr lang="en-US"/>
           </a:p>
@@ -1339,7 +1355,7 @@
             <a:fld id="{2F879F52-6B60-4C01-BE62-F22035A9CFE0}" type="datetimeFigureOut">
               <a:rPr lang="en-US" smtClean="0"/>
               <a:pPr/>
-              <a:t>12/18/2017</a:t>
+              <a:t>12/19/2021</a:t>
             </a:fld>
             <a:endParaRPr lang="en-US"/>
           </a:p>
@@ -1758,7 +1774,7 @@
             <a:fld id="{2F879F52-6B60-4C01-BE62-F22035A9CFE0}" type="datetimeFigureOut">
               <a:rPr lang="en-US" smtClean="0"/>
               <a:pPr/>
-              <a:t>12/18/2017</a:t>
+              <a:t>12/19/2021</a:t>
             </a:fld>
             <a:endParaRPr lang="en-US"/>
           </a:p>
@@ -1873,7 +1889,7 @@
             <a:fld id="{2F879F52-6B60-4C01-BE62-F22035A9CFE0}" type="datetimeFigureOut">
               <a:rPr lang="en-US" smtClean="0"/>
               <a:pPr/>
-              <a:t>12/18/2017</a:t>
+              <a:t>12/19/2021</a:t>
             </a:fld>
             <a:endParaRPr lang="en-US"/>
           </a:p>
@@ -1965,7 +1981,7 @@
             <a:fld id="{2F879F52-6B60-4C01-BE62-F22035A9CFE0}" type="datetimeFigureOut">
               <a:rPr lang="en-US" smtClean="0"/>
               <a:pPr/>
-              <a:t>12/18/2017</a:t>
+              <a:t>12/19/2021</a:t>
             </a:fld>
             <a:endParaRPr lang="en-US"/>
           </a:p>
@@ -2239,7 +2255,7 @@
             <a:fld id="{2F879F52-6B60-4C01-BE62-F22035A9CFE0}" type="datetimeFigureOut">
               <a:rPr lang="en-US" smtClean="0"/>
               <a:pPr/>
-              <a:t>12/18/2017</a:t>
+              <a:t>12/19/2021</a:t>
             </a:fld>
             <a:endParaRPr lang="en-US"/>
           </a:p>
@@ -2493,7 +2509,7 @@
             <a:fld id="{2F879F52-6B60-4C01-BE62-F22035A9CFE0}" type="datetimeFigureOut">
               <a:rPr lang="en-US" smtClean="0"/>
               <a:pPr/>
-              <a:t>12/18/2017</a:t>
+              <a:t>12/19/2021</a:t>
             </a:fld>
             <a:endParaRPr lang="en-US"/>
           </a:p>
@@ -2708,7 +2724,7 @@
             <a:fld id="{2F879F52-6B60-4C01-BE62-F22035A9CFE0}" type="datetimeFigureOut">
               <a:rPr lang="en-US" smtClean="0"/>
               <a:pPr/>
-              <a:t>12/18/2017</a:t>
+              <a:t>12/19/2021</a:t>
             </a:fld>
             <a:endParaRPr lang="en-US"/>
           </a:p>
@@ -3338,17 +3354,7 @@
                 <a:latin typeface="微軟正黑體" pitchFamily="34" charset="-120"/>
                 <a:ea typeface="微軟正黑體" pitchFamily="34" charset="-120"/>
               </a:rPr>
-              <a:t>萬國救主</a:t>
-            </a:r>
-            <a:r>
-              <a:rPr lang="zh-CN" altLang="en-US" sz="5400" b="1" dirty="0" smtClean="0">
-                <a:solidFill>
-                  <a:srgbClr val="660033"/>
-                </a:solidFill>
-                <a:latin typeface="微軟正黑體" pitchFamily="34" charset="-120"/>
-                <a:ea typeface="微軟正黑體" pitchFamily="34" charset="-120"/>
-              </a:rPr>
-              <a:t>萬國望</a:t>
+              <a:t>萬國救主萬國望</a:t>
             </a:r>
             <a:endParaRPr lang="en-US" altLang="zh-CN" sz="5400" b="1" dirty="0" smtClean="0">
               <a:solidFill>
@@ -3370,7 +3376,7 @@
                 <a:latin typeface="微軟正黑體" pitchFamily="34" charset="-120"/>
                 <a:ea typeface="微軟正黑體" pitchFamily="34" charset="-120"/>
               </a:rPr>
-              <a:t>願主居</a:t>
+              <a:t>願主</a:t>
             </a:r>
             <a:r>
               <a:rPr lang="zh-CN" altLang="en-US" sz="5400" b="1" dirty="0" smtClean="0">
@@ -3380,7 +3386,7 @@
                 <a:latin typeface="微軟正黑體" pitchFamily="34" charset="-120"/>
                 <a:ea typeface="微軟正黑體" pitchFamily="34" charset="-120"/>
               </a:rPr>
-              <a:t>於我</a:t>
+              <a:t>居在我</a:t>
             </a:r>
             <a:r>
               <a:rPr lang="zh-CN" altLang="en-US" sz="5400" b="1" dirty="0" smtClean="0">
@@ -3422,17 +3428,7 @@
                 <a:latin typeface="微軟正黑體" pitchFamily="34" charset="-120"/>
                 <a:ea typeface="微軟正黑體" pitchFamily="34" charset="-120"/>
               </a:rPr>
-              <a:t>鬼權勢</a:t>
-            </a:r>
-            <a:r>
-              <a:rPr lang="zh-CN" altLang="en-US" sz="5400" b="1" dirty="0" smtClean="0">
-                <a:solidFill>
-                  <a:srgbClr val="660033"/>
-                </a:solidFill>
-                <a:latin typeface="微軟正黑體" pitchFamily="34" charset="-120"/>
-                <a:ea typeface="微軟正黑體" pitchFamily="34" charset="-120"/>
-              </a:rPr>
-              <a:t>全然敗</a:t>
+              <a:t>鬼權勢全然敗</a:t>
             </a:r>
             <a:endParaRPr lang="en-US" altLang="zh-CN" sz="5400" b="1" dirty="0" smtClean="0">
               <a:solidFill>
@@ -3454,17 +3450,7 @@
                 <a:latin typeface="微軟正黑體" pitchFamily="34" charset="-120"/>
                 <a:ea typeface="微軟正黑體" pitchFamily="34" charset="-120"/>
               </a:rPr>
-              <a:t>使我</a:t>
-            </a:r>
-            <a:r>
-              <a:rPr lang="zh-CN" altLang="en-US" sz="5400" b="1" dirty="0" smtClean="0">
-                <a:solidFill>
-                  <a:srgbClr val="660033"/>
-                </a:solidFill>
-                <a:latin typeface="微軟正黑體" pitchFamily="34" charset="-120"/>
-                <a:ea typeface="微軟正黑體" pitchFamily="34" charset="-120"/>
-              </a:rPr>
-              <a:t>勝過惡世界</a:t>
+              <a:t>使我勝過惡世界</a:t>
             </a:r>
             <a:endParaRPr lang="en-US" altLang="zh-CN" sz="5400" b="1" dirty="0" smtClean="0">
               <a:solidFill>
@@ -3574,7 +3560,7 @@
                 <a:latin typeface="微軟正黑體" pitchFamily="34" charset="-120"/>
                 <a:ea typeface="微軟正黑體" pitchFamily="34" charset="-120"/>
               </a:rPr>
-              <a:t>列成行</a:t>
+              <a:t>列同行</a:t>
             </a:r>
             <a:endParaRPr lang="en-US" altLang="zh-CN" sz="5400" b="1" dirty="0" smtClean="0">
               <a:solidFill>
@@ -3596,17 +3582,7 @@
                 <a:latin typeface="微軟正黑體" pitchFamily="34" charset="-120"/>
                 <a:ea typeface="微軟正黑體" pitchFamily="34" charset="-120"/>
               </a:rPr>
-              <a:t>竭力頌讚</a:t>
-            </a:r>
-            <a:r>
-              <a:rPr lang="zh-CN" altLang="en-US" sz="5400" b="1" dirty="0" smtClean="0">
-                <a:solidFill>
-                  <a:srgbClr val="660033"/>
-                </a:solidFill>
-                <a:latin typeface="微軟正黑體" pitchFamily="34" charset="-120"/>
-                <a:ea typeface="微軟正黑體" pitchFamily="34" charset="-120"/>
-              </a:rPr>
-              <a:t>新生王</a:t>
+              <a:t>竭力頌讚新生王</a:t>
             </a:r>
             <a:endParaRPr lang="en-US" altLang="zh-CN" sz="5400" b="1" dirty="0" smtClean="0">
               <a:solidFill>
@@ -3706,17 +3682,7 @@
                 <a:latin typeface="微軟正黑體" pitchFamily="34" charset="-120"/>
                 <a:ea typeface="微軟正黑體" pitchFamily="34" charset="-120"/>
               </a:rPr>
-              <a:t>天上榮光</a:t>
-            </a:r>
-            <a:r>
-              <a:rPr lang="zh-CN" altLang="en-US" sz="5400" b="1" dirty="0" smtClean="0">
-                <a:solidFill>
-                  <a:srgbClr val="660033"/>
-                </a:solidFill>
-                <a:latin typeface="微軟正黑體" pitchFamily="34" charset="-120"/>
-                <a:ea typeface="微軟正黑體" pitchFamily="34" charset="-120"/>
-              </a:rPr>
-              <a:t>歸真神</a:t>
+              <a:t>天上榮光歸真神</a:t>
             </a:r>
             <a:endParaRPr lang="en-US" altLang="zh-CN" sz="5400" b="1" dirty="0" smtClean="0">
               <a:solidFill>
@@ -3738,17 +3704,7 @@
                 <a:latin typeface="微軟正黑體" pitchFamily="34" charset="-120"/>
                 <a:ea typeface="微軟正黑體" pitchFamily="34" charset="-120"/>
               </a:rPr>
-              <a:t>地下平安</a:t>
-            </a:r>
-            <a:r>
-              <a:rPr lang="zh-CN" altLang="en-US" sz="5400" b="1" dirty="0" smtClean="0">
-                <a:solidFill>
-                  <a:srgbClr val="660033"/>
-                </a:solidFill>
-                <a:latin typeface="微軟正黑體" pitchFamily="34" charset="-120"/>
-                <a:ea typeface="微軟正黑體" pitchFamily="34" charset="-120"/>
-              </a:rPr>
-              <a:t>人蒙恩</a:t>
+              <a:t>地下平安人蒙恩</a:t>
             </a:r>
             <a:endParaRPr lang="en-US" altLang="zh-CN" sz="5400" b="1" dirty="0" smtClean="0">
               <a:solidFill>
@@ -3914,7 +3870,27 @@
                 <a:latin typeface="微軟正黑體" pitchFamily="34" charset="-120"/>
                 <a:ea typeface="微軟正黑體" pitchFamily="34" charset="-120"/>
               </a:rPr>
-              <a:t>皆當興起共頌揚</a:t>
+              <a:t>皆當興</a:t>
+            </a:r>
+            <a:r>
+              <a:rPr lang="zh-CN" altLang="en-US" sz="5400" b="1" dirty="0" smtClean="0">
+                <a:solidFill>
+                  <a:srgbClr val="660033"/>
+                </a:solidFill>
+                <a:latin typeface="微軟正黑體" pitchFamily="34" charset="-120"/>
+                <a:ea typeface="微軟正黑體" pitchFamily="34" charset="-120"/>
+              </a:rPr>
+              <a:t>起同頌</a:t>
+            </a:r>
+            <a:r>
+              <a:rPr lang="zh-CN" altLang="en-US" sz="5400" b="1" dirty="0" smtClean="0">
+                <a:solidFill>
+                  <a:srgbClr val="660033"/>
+                </a:solidFill>
+                <a:latin typeface="微軟正黑體" pitchFamily="34" charset="-120"/>
+                <a:ea typeface="微軟正黑體" pitchFamily="34" charset="-120"/>
+              </a:rPr>
+              <a:t>揚</a:t>
             </a:r>
             <a:endParaRPr lang="en-US" sz="5400" b="1" dirty="0">
               <a:solidFill>
@@ -4190,17 +4166,7 @@
                 <a:latin typeface="微軟正黑體" pitchFamily="34" charset="-120"/>
                 <a:ea typeface="微軟正黑體" pitchFamily="34" charset="-120"/>
               </a:rPr>
-              <a:t>基督本為</a:t>
-            </a:r>
-            <a:r>
-              <a:rPr lang="zh-CN" altLang="en-US" sz="5400" b="1" dirty="0" smtClean="0">
-                <a:solidFill>
-                  <a:srgbClr val="660033"/>
-                </a:solidFill>
-                <a:latin typeface="微軟正黑體" pitchFamily="34" charset="-120"/>
-                <a:ea typeface="微軟正黑體" pitchFamily="34" charset="-120"/>
-              </a:rPr>
-              <a:t>永生主</a:t>
+              <a:t>基督本為永生主</a:t>
             </a:r>
             <a:endParaRPr lang="en-US" altLang="zh-CN" sz="5400" b="1" dirty="0" smtClean="0">
               <a:solidFill>
@@ -4232,17 +4198,7 @@
                 <a:latin typeface="微軟正黑體" pitchFamily="34" charset="-120"/>
                 <a:ea typeface="微軟正黑體" pitchFamily="34" charset="-120"/>
               </a:rPr>
-              <a:t>使敬拜</a:t>
-            </a:r>
-            <a:r>
-              <a:rPr lang="zh-CN" altLang="en-US" sz="5400" b="1" dirty="0" smtClean="0">
-                <a:solidFill>
-                  <a:srgbClr val="660033"/>
-                </a:solidFill>
-                <a:latin typeface="微軟正黑體" pitchFamily="34" charset="-120"/>
-                <a:ea typeface="微軟正黑體" pitchFamily="34" charset="-120"/>
-              </a:rPr>
-              <a:t>齊首俯</a:t>
+              <a:t>使敬拜齊首俯</a:t>
             </a:r>
             <a:endParaRPr lang="en-US" altLang="zh-CN" sz="5400" b="1" dirty="0" smtClean="0">
               <a:solidFill>
@@ -4286,17 +4242,7 @@
                 <a:latin typeface="微軟正黑體" pitchFamily="34" charset="-120"/>
                 <a:ea typeface="微軟正黑體" pitchFamily="34" charset="-120"/>
               </a:rPr>
-              <a:t>生</a:t>
-            </a:r>
-            <a:r>
-              <a:rPr lang="zh-CN" altLang="en-US" sz="5400" b="1" dirty="0" smtClean="0">
-                <a:solidFill>
-                  <a:srgbClr val="660033"/>
-                </a:solidFill>
-                <a:latin typeface="微軟正黑體" pitchFamily="34" charset="-120"/>
-                <a:ea typeface="微軟正黑體" pitchFamily="34" charset="-120"/>
-              </a:rPr>
-              <a:t>於童女成人狀</a:t>
+              <a:t>生於童女成人狀</a:t>
             </a:r>
             <a:endParaRPr lang="en-US" altLang="zh-CN" sz="5400" b="1" dirty="0" smtClean="0">
               <a:solidFill>
@@ -4399,6 +4345,36 @@
               <a:t>至高上</a:t>
             </a:r>
             <a:r>
+              <a:rPr lang="zh-CN" altLang="en-US" sz="5400" b="1" dirty="0">
+                <a:solidFill>
+                  <a:srgbClr val="660033"/>
+                </a:solidFill>
+                <a:latin typeface="微軟正黑體" pitchFamily="34" charset="-120"/>
+                <a:ea typeface="微軟正黑體" pitchFamily="34" charset="-120"/>
+              </a:rPr>
+              <a:t>主</a:t>
+            </a:r>
+            <a:r>
+              <a:rPr lang="zh-CN" altLang="en-US" sz="5400" b="1" dirty="0">
+                <a:solidFill>
+                  <a:srgbClr val="660033"/>
+                </a:solidFill>
+                <a:latin typeface="微軟正黑體" pitchFamily="34" charset="-120"/>
+                <a:ea typeface="微軟正黑體" pitchFamily="34" charset="-120"/>
+              </a:rPr>
+              <a:t>披</a:t>
+            </a:r>
+            <a:r>
+              <a:rPr lang="zh-CN" altLang="en-US" sz="5400" b="1" dirty="0">
+                <a:solidFill>
+                  <a:srgbClr val="660033"/>
+                </a:solidFill>
+                <a:latin typeface="微軟正黑體" pitchFamily="34" charset="-120"/>
+                <a:ea typeface="微軟正黑體" pitchFamily="34" charset="-120"/>
+              </a:rPr>
+              <a:t>肉</a:t>
+            </a:r>
+            <a:r>
               <a:rPr lang="zh-CN" altLang="en-US" sz="5400" b="1" dirty="0" smtClean="0">
                 <a:solidFill>
                   <a:srgbClr val="660033"/>
@@ -4406,7 +4382,7 @@
                 <a:latin typeface="微軟正黑體" pitchFamily="34" charset="-120"/>
                 <a:ea typeface="微軟正黑體" pitchFamily="34" charset="-120"/>
               </a:rPr>
-              <a:t>主批肉體</a:t>
+              <a:t>體</a:t>
             </a:r>
             <a:endParaRPr lang="en-US" altLang="zh-CN" sz="5400" b="1" dirty="0" smtClean="0">
               <a:solidFill>
@@ -4428,17 +4404,7 @@
                 <a:latin typeface="微軟正黑體" pitchFamily="34" charset="-120"/>
                 <a:ea typeface="微軟正黑體" pitchFamily="34" charset="-120"/>
               </a:rPr>
-              <a:t>住在</a:t>
-            </a:r>
-            <a:r>
-              <a:rPr lang="zh-CN" altLang="en-US" sz="5400" b="1" dirty="0" smtClean="0">
-                <a:solidFill>
-                  <a:srgbClr val="660033"/>
-                </a:solidFill>
-                <a:latin typeface="微軟正黑體" pitchFamily="34" charset="-120"/>
-                <a:ea typeface="微軟正黑體" pitchFamily="34" charset="-120"/>
-              </a:rPr>
-              <a:t>人間宜讚美</a:t>
+              <a:t>住在人間宜讚美</a:t>
             </a:r>
             <a:endParaRPr lang="en-US" sz="5400" b="1" dirty="0">
               <a:solidFill>
@@ -4604,17 +4570,7 @@
                 <a:latin typeface="微軟正黑體" pitchFamily="34" charset="-120"/>
                 <a:ea typeface="微軟正黑體" pitchFamily="34" charset="-120"/>
               </a:rPr>
-              <a:t>乃</a:t>
-            </a:r>
-            <a:r>
-              <a:rPr lang="zh-CN" altLang="en-US" sz="5400" b="1" dirty="0" smtClean="0">
-                <a:solidFill>
-                  <a:srgbClr val="660033"/>
-                </a:solidFill>
-                <a:latin typeface="微軟正黑體" pitchFamily="34" charset="-120"/>
-                <a:ea typeface="微軟正黑體" pitchFamily="34" charset="-120"/>
-              </a:rPr>
-              <a:t>我主以馬內利</a:t>
+              <a:t>乃我主以馬內利</a:t>
             </a:r>
             <a:endParaRPr lang="en-US" altLang="zh-CN" sz="5400" b="1" dirty="0" smtClean="0">
               <a:solidFill>
@@ -4736,17 +4692,7 @@
                 <a:latin typeface="微軟正黑體" pitchFamily="34" charset="-120"/>
                 <a:ea typeface="微軟正黑體" pitchFamily="34" charset="-120"/>
               </a:rPr>
-              <a:t>美</a:t>
-            </a:r>
-            <a:r>
-              <a:rPr lang="zh-CN" altLang="en-US" sz="5400" b="1" dirty="0" smtClean="0">
-                <a:solidFill>
-                  <a:srgbClr val="660033"/>
-                </a:solidFill>
-                <a:latin typeface="微軟正黑體" pitchFamily="34" charset="-120"/>
-                <a:ea typeface="微軟正黑體" pitchFamily="34" charset="-120"/>
-              </a:rPr>
-              <a:t>哉救主為世光</a:t>
+              <a:t>美哉救主為世光</a:t>
             </a:r>
             <a:endParaRPr lang="en-US" altLang="zh-CN" sz="5400" b="1" dirty="0" smtClean="0">
               <a:solidFill>
@@ -5078,17 +5024,7 @@
                 <a:latin typeface="微軟正黑體" pitchFamily="34" charset="-120"/>
                 <a:ea typeface="微軟正黑體" pitchFamily="34" charset="-120"/>
               </a:rPr>
-              <a:t>生則人得與主</a:t>
-            </a:r>
-            <a:r>
-              <a:rPr lang="zh-CN" altLang="en-US" sz="5400" b="1" dirty="0" smtClean="0">
-                <a:solidFill>
-                  <a:srgbClr val="660033"/>
-                </a:solidFill>
-                <a:latin typeface="微軟正黑體" pitchFamily="34" charset="-120"/>
-                <a:ea typeface="微軟正黑體" pitchFamily="34" charset="-120"/>
-              </a:rPr>
-              <a:t>親</a:t>
+              <a:t>生則人得與主親</a:t>
             </a:r>
             <a:endParaRPr lang="en-US" altLang="zh-CN" sz="5400" b="1" dirty="0" smtClean="0">
               <a:solidFill>
